--- a/image/신치수/프레젠테이션1.pptx
+++ b/image/신치수/프레젠테이션1.pptx
@@ -11,6 +11,7 @@
     <p:sldId id="259" r:id="rId5"/>
     <p:sldId id="260" r:id="rId6"/>
     <p:sldId id="261" r:id="rId7"/>
+    <p:sldId id="262" r:id="rId8"/>
   </p:sldIdLst>
   <p:sldSz cx="9144000" cy="5143500" type="screen16x9"/>
   <p:notesSz cx="6858000" cy="9144000"/>
@@ -109,6 +110,22 @@
       </a:defRPr>
     </a:lvl9pPr>
   </p:defaultTextStyle>
+  <p:extLst>
+    <p:ext uri="{EFAFB233-063F-42B5-8137-9DF3F51BA10A}">
+      <p15:sldGuideLst xmlns:p15="http://schemas.microsoft.com/office/powerpoint/2012/main">
+        <p15:guide id="1" orient="horz" pos="1620">
+          <p15:clr>
+            <a:srgbClr val="A4A3A4"/>
+          </p15:clr>
+        </p15:guide>
+        <p15:guide id="2" pos="2880">
+          <p15:clr>
+            <a:srgbClr val="A4A3A4"/>
+          </p15:clr>
+        </p15:guide>
+      </p15:sldGuideLst>
+    </p:ext>
+  </p:extLst>
 </p:presentation>
 </file>
 
@@ -150,10 +167,9 @@
           <a:lstStyle/>
           <a:p>
             <a:r>
-              <a:rPr lang="ko-KR" altLang="en-US" smtClean="0"/>
+              <a:rPr lang="ko-KR" altLang="en-US"/>
               <a:t>마스터 제목 스타일 편집</a:t>
             </a:r>
-            <a:endParaRPr lang="ko-KR" altLang="en-US"/>
           </a:p>
         </p:txBody>
       </p:sp>
@@ -269,10 +285,9 @@
           </a:lstStyle>
           <a:p>
             <a:r>
-              <a:rPr lang="ko-KR" altLang="en-US" smtClean="0"/>
+              <a:rPr lang="ko-KR" altLang="en-US"/>
               <a:t>마스터 부제목 스타일 편집</a:t>
             </a:r>
-            <a:endParaRPr lang="ko-KR" altLang="en-US"/>
           </a:p>
         </p:txBody>
       </p:sp>
@@ -293,7 +308,7 @@
           <a:p>
             <a:fld id="{F11BE0BA-87C2-49CD-8AE4-DDBD14E07456}" type="datetimeFigureOut">
               <a:rPr lang="ko-KR" altLang="en-US" smtClean="0"/>
-              <a:t>2021-05-21</a:t>
+              <a:t>2021-05-24</a:t>
             </a:fld>
             <a:endParaRPr lang="ko-KR" altLang="en-US"/>
           </a:p>
@@ -387,10 +402,9 @@
           <a:lstStyle/>
           <a:p>
             <a:r>
-              <a:rPr lang="ko-KR" altLang="en-US" smtClean="0"/>
+              <a:rPr lang="ko-KR" altLang="en-US"/>
               <a:t>마스터 제목 스타일 편집</a:t>
             </a:r>
-            <a:endParaRPr lang="ko-KR" altLang="en-US"/>
           </a:p>
         </p:txBody>
       </p:sp>
@@ -411,38 +425,37 @@
           <a:p>
             <a:pPr lvl="0"/>
             <a:r>
-              <a:rPr lang="ko-KR" altLang="en-US" smtClean="0"/>
+              <a:rPr lang="ko-KR" altLang="en-US"/>
               <a:t>마스터 텍스트 스타일을 편집합니다</a:t>
             </a:r>
           </a:p>
           <a:p>
             <a:pPr lvl="1"/>
             <a:r>
-              <a:rPr lang="ko-KR" altLang="en-US" smtClean="0"/>
+              <a:rPr lang="ko-KR" altLang="en-US"/>
               <a:t>둘째 수준</a:t>
             </a:r>
           </a:p>
           <a:p>
             <a:pPr lvl="2"/>
             <a:r>
-              <a:rPr lang="ko-KR" altLang="en-US" smtClean="0"/>
+              <a:rPr lang="ko-KR" altLang="en-US"/>
               <a:t>셋째 수준</a:t>
             </a:r>
           </a:p>
           <a:p>
             <a:pPr lvl="3"/>
             <a:r>
-              <a:rPr lang="ko-KR" altLang="en-US" smtClean="0"/>
+              <a:rPr lang="ko-KR" altLang="en-US"/>
               <a:t>넷째 수준</a:t>
             </a:r>
           </a:p>
           <a:p>
             <a:pPr lvl="4"/>
             <a:r>
-              <a:rPr lang="ko-KR" altLang="en-US" smtClean="0"/>
+              <a:rPr lang="ko-KR" altLang="en-US"/>
               <a:t>다섯째 수준</a:t>
             </a:r>
-            <a:endParaRPr lang="ko-KR" altLang="en-US"/>
           </a:p>
         </p:txBody>
       </p:sp>
@@ -463,7 +476,7 @@
           <a:p>
             <a:fld id="{F11BE0BA-87C2-49CD-8AE4-DDBD14E07456}" type="datetimeFigureOut">
               <a:rPr lang="ko-KR" altLang="en-US" smtClean="0"/>
-              <a:t>2021-05-21</a:t>
+              <a:t>2021-05-24</a:t>
             </a:fld>
             <a:endParaRPr lang="ko-KR" altLang="en-US"/>
           </a:p>
@@ -562,10 +575,9 @@
           <a:lstStyle/>
           <a:p>
             <a:r>
-              <a:rPr lang="ko-KR" altLang="en-US" smtClean="0"/>
+              <a:rPr lang="ko-KR" altLang="en-US"/>
               <a:t>마스터 제목 스타일 편집</a:t>
             </a:r>
-            <a:endParaRPr lang="ko-KR" altLang="en-US"/>
           </a:p>
         </p:txBody>
       </p:sp>
@@ -591,38 +603,37 @@
           <a:p>
             <a:pPr lvl="0"/>
             <a:r>
-              <a:rPr lang="ko-KR" altLang="en-US" smtClean="0"/>
+              <a:rPr lang="ko-KR" altLang="en-US"/>
               <a:t>마스터 텍스트 스타일을 편집합니다</a:t>
             </a:r>
           </a:p>
           <a:p>
             <a:pPr lvl="1"/>
             <a:r>
-              <a:rPr lang="ko-KR" altLang="en-US" smtClean="0"/>
+              <a:rPr lang="ko-KR" altLang="en-US"/>
               <a:t>둘째 수준</a:t>
             </a:r>
           </a:p>
           <a:p>
             <a:pPr lvl="2"/>
             <a:r>
-              <a:rPr lang="ko-KR" altLang="en-US" smtClean="0"/>
+              <a:rPr lang="ko-KR" altLang="en-US"/>
               <a:t>셋째 수준</a:t>
             </a:r>
           </a:p>
           <a:p>
             <a:pPr lvl="3"/>
             <a:r>
-              <a:rPr lang="ko-KR" altLang="en-US" smtClean="0"/>
+              <a:rPr lang="ko-KR" altLang="en-US"/>
               <a:t>넷째 수준</a:t>
             </a:r>
           </a:p>
           <a:p>
             <a:pPr lvl="4"/>
             <a:r>
-              <a:rPr lang="ko-KR" altLang="en-US" smtClean="0"/>
+              <a:rPr lang="ko-KR" altLang="en-US"/>
               <a:t>다섯째 수준</a:t>
             </a:r>
-            <a:endParaRPr lang="ko-KR" altLang="en-US"/>
           </a:p>
         </p:txBody>
       </p:sp>
@@ -643,7 +654,7 @@
           <a:p>
             <a:fld id="{F11BE0BA-87C2-49CD-8AE4-DDBD14E07456}" type="datetimeFigureOut">
               <a:rPr lang="ko-KR" altLang="en-US" smtClean="0"/>
-              <a:t>2021-05-21</a:t>
+              <a:t>2021-05-24</a:t>
             </a:fld>
             <a:endParaRPr lang="ko-KR" altLang="en-US"/>
           </a:p>
@@ -737,10 +748,9 @@
           <a:lstStyle/>
           <a:p>
             <a:r>
-              <a:rPr lang="ko-KR" altLang="en-US" smtClean="0"/>
+              <a:rPr lang="ko-KR" altLang="en-US"/>
               <a:t>마스터 제목 스타일 편집</a:t>
             </a:r>
-            <a:endParaRPr lang="ko-KR" altLang="en-US"/>
           </a:p>
         </p:txBody>
       </p:sp>
@@ -761,38 +771,37 @@
           <a:p>
             <a:pPr lvl="0"/>
             <a:r>
-              <a:rPr lang="ko-KR" altLang="en-US" smtClean="0"/>
+              <a:rPr lang="ko-KR" altLang="en-US"/>
               <a:t>마스터 텍스트 스타일을 편집합니다</a:t>
             </a:r>
           </a:p>
           <a:p>
             <a:pPr lvl="1"/>
             <a:r>
-              <a:rPr lang="ko-KR" altLang="en-US" smtClean="0"/>
+              <a:rPr lang="ko-KR" altLang="en-US"/>
               <a:t>둘째 수준</a:t>
             </a:r>
           </a:p>
           <a:p>
             <a:pPr lvl="2"/>
             <a:r>
-              <a:rPr lang="ko-KR" altLang="en-US" smtClean="0"/>
+              <a:rPr lang="ko-KR" altLang="en-US"/>
               <a:t>셋째 수준</a:t>
             </a:r>
           </a:p>
           <a:p>
             <a:pPr lvl="3"/>
             <a:r>
-              <a:rPr lang="ko-KR" altLang="en-US" smtClean="0"/>
+              <a:rPr lang="ko-KR" altLang="en-US"/>
               <a:t>넷째 수준</a:t>
             </a:r>
           </a:p>
           <a:p>
             <a:pPr lvl="4"/>
             <a:r>
-              <a:rPr lang="ko-KR" altLang="en-US" smtClean="0"/>
+              <a:rPr lang="ko-KR" altLang="en-US"/>
               <a:t>다섯째 수준</a:t>
             </a:r>
-            <a:endParaRPr lang="ko-KR" altLang="en-US"/>
           </a:p>
         </p:txBody>
       </p:sp>
@@ -813,7 +822,7 @@
           <a:p>
             <a:fld id="{F11BE0BA-87C2-49CD-8AE4-DDBD14E07456}" type="datetimeFigureOut">
               <a:rPr lang="ko-KR" altLang="en-US" smtClean="0"/>
-              <a:t>2021-05-21</a:t>
+              <a:t>2021-05-24</a:t>
             </a:fld>
             <a:endParaRPr lang="ko-KR" altLang="en-US"/>
           </a:p>
@@ -916,10 +925,9 @@
           </a:lstStyle>
           <a:p>
             <a:r>
-              <a:rPr lang="ko-KR" altLang="en-US" smtClean="0"/>
+              <a:rPr lang="ko-KR" altLang="en-US"/>
               <a:t>마스터 제목 스타일 편집</a:t>
             </a:r>
-            <a:endParaRPr lang="ko-KR" altLang="en-US"/>
           </a:p>
         </p:txBody>
       </p:sp>
@@ -1036,7 +1044,7 @@
           <a:p>
             <a:pPr lvl="0"/>
             <a:r>
-              <a:rPr lang="ko-KR" altLang="en-US" smtClean="0"/>
+              <a:rPr lang="ko-KR" altLang="en-US"/>
               <a:t>마스터 텍스트 스타일을 편집합니다</a:t>
             </a:r>
           </a:p>
@@ -1059,7 +1067,7 @@
           <a:p>
             <a:fld id="{F11BE0BA-87C2-49CD-8AE4-DDBD14E07456}" type="datetimeFigureOut">
               <a:rPr lang="ko-KR" altLang="en-US" smtClean="0"/>
-              <a:t>2021-05-21</a:t>
+              <a:t>2021-05-24</a:t>
             </a:fld>
             <a:endParaRPr lang="ko-KR" altLang="en-US"/>
           </a:p>
@@ -1153,10 +1161,9 @@
           <a:lstStyle/>
           <a:p>
             <a:r>
-              <a:rPr lang="ko-KR" altLang="en-US" smtClean="0"/>
+              <a:rPr lang="ko-KR" altLang="en-US"/>
               <a:t>마스터 제목 스타일 편집</a:t>
             </a:r>
-            <a:endParaRPr lang="ko-KR" altLang="en-US"/>
           </a:p>
         </p:txBody>
       </p:sp>
@@ -1210,38 +1217,37 @@
           <a:p>
             <a:pPr lvl="0"/>
             <a:r>
-              <a:rPr lang="ko-KR" altLang="en-US" smtClean="0"/>
+              <a:rPr lang="ko-KR" altLang="en-US"/>
               <a:t>마스터 텍스트 스타일을 편집합니다</a:t>
             </a:r>
           </a:p>
           <a:p>
             <a:pPr lvl="1"/>
             <a:r>
-              <a:rPr lang="ko-KR" altLang="en-US" smtClean="0"/>
+              <a:rPr lang="ko-KR" altLang="en-US"/>
               <a:t>둘째 수준</a:t>
             </a:r>
           </a:p>
           <a:p>
             <a:pPr lvl="2"/>
             <a:r>
-              <a:rPr lang="ko-KR" altLang="en-US" smtClean="0"/>
+              <a:rPr lang="ko-KR" altLang="en-US"/>
               <a:t>셋째 수준</a:t>
             </a:r>
           </a:p>
           <a:p>
             <a:pPr lvl="3"/>
             <a:r>
-              <a:rPr lang="ko-KR" altLang="en-US" smtClean="0"/>
+              <a:rPr lang="ko-KR" altLang="en-US"/>
               <a:t>넷째 수준</a:t>
             </a:r>
           </a:p>
           <a:p>
             <a:pPr lvl="4"/>
             <a:r>
-              <a:rPr lang="ko-KR" altLang="en-US" smtClean="0"/>
+              <a:rPr lang="ko-KR" altLang="en-US"/>
               <a:t>다섯째 수준</a:t>
             </a:r>
-            <a:endParaRPr lang="ko-KR" altLang="en-US"/>
           </a:p>
         </p:txBody>
       </p:sp>
@@ -1295,38 +1301,37 @@
           <a:p>
             <a:pPr lvl="0"/>
             <a:r>
-              <a:rPr lang="ko-KR" altLang="en-US" smtClean="0"/>
+              <a:rPr lang="ko-KR" altLang="en-US"/>
               <a:t>마스터 텍스트 스타일을 편집합니다</a:t>
             </a:r>
           </a:p>
           <a:p>
             <a:pPr lvl="1"/>
             <a:r>
-              <a:rPr lang="ko-KR" altLang="en-US" smtClean="0"/>
+              <a:rPr lang="ko-KR" altLang="en-US"/>
               <a:t>둘째 수준</a:t>
             </a:r>
           </a:p>
           <a:p>
             <a:pPr lvl="2"/>
             <a:r>
-              <a:rPr lang="ko-KR" altLang="en-US" smtClean="0"/>
+              <a:rPr lang="ko-KR" altLang="en-US"/>
               <a:t>셋째 수준</a:t>
             </a:r>
           </a:p>
           <a:p>
             <a:pPr lvl="3"/>
             <a:r>
-              <a:rPr lang="ko-KR" altLang="en-US" smtClean="0"/>
+              <a:rPr lang="ko-KR" altLang="en-US"/>
               <a:t>넷째 수준</a:t>
             </a:r>
           </a:p>
           <a:p>
             <a:pPr lvl="4"/>
             <a:r>
-              <a:rPr lang="ko-KR" altLang="en-US" smtClean="0"/>
+              <a:rPr lang="ko-KR" altLang="en-US"/>
               <a:t>다섯째 수준</a:t>
             </a:r>
-            <a:endParaRPr lang="ko-KR" altLang="en-US"/>
           </a:p>
         </p:txBody>
       </p:sp>
@@ -1347,7 +1352,7 @@
           <a:p>
             <a:fld id="{F11BE0BA-87C2-49CD-8AE4-DDBD14E07456}" type="datetimeFigureOut">
               <a:rPr lang="ko-KR" altLang="en-US" smtClean="0"/>
-              <a:t>2021-05-21</a:t>
+              <a:t>2021-05-24</a:t>
             </a:fld>
             <a:endParaRPr lang="ko-KR" altLang="en-US"/>
           </a:p>
@@ -1450,10 +1455,9 @@
           </a:lstStyle>
           <a:p>
             <a:r>
-              <a:rPr lang="ko-KR" altLang="en-US" smtClean="0"/>
+              <a:rPr lang="ko-KR" altLang="en-US"/>
               <a:t>마스터 제목 스타일 편집</a:t>
             </a:r>
-            <a:endParaRPr lang="ko-KR" altLang="en-US"/>
           </a:p>
         </p:txBody>
       </p:sp>
@@ -1516,7 +1520,7 @@
           <a:p>
             <a:pPr lvl="0"/>
             <a:r>
-              <a:rPr lang="ko-KR" altLang="en-US" smtClean="0"/>
+              <a:rPr lang="ko-KR" altLang="en-US"/>
               <a:t>마스터 텍스트 스타일을 편집합니다</a:t>
             </a:r>
           </a:p>
@@ -1572,38 +1576,37 @@
           <a:p>
             <a:pPr lvl="0"/>
             <a:r>
-              <a:rPr lang="ko-KR" altLang="en-US" smtClean="0"/>
+              <a:rPr lang="ko-KR" altLang="en-US"/>
               <a:t>마스터 텍스트 스타일을 편집합니다</a:t>
             </a:r>
           </a:p>
           <a:p>
             <a:pPr lvl="1"/>
             <a:r>
-              <a:rPr lang="ko-KR" altLang="en-US" smtClean="0"/>
+              <a:rPr lang="ko-KR" altLang="en-US"/>
               <a:t>둘째 수준</a:t>
             </a:r>
           </a:p>
           <a:p>
             <a:pPr lvl="2"/>
             <a:r>
-              <a:rPr lang="ko-KR" altLang="en-US" smtClean="0"/>
+              <a:rPr lang="ko-KR" altLang="en-US"/>
               <a:t>셋째 수준</a:t>
             </a:r>
           </a:p>
           <a:p>
             <a:pPr lvl="3"/>
             <a:r>
-              <a:rPr lang="ko-KR" altLang="en-US" smtClean="0"/>
+              <a:rPr lang="ko-KR" altLang="en-US"/>
               <a:t>넷째 수준</a:t>
             </a:r>
           </a:p>
           <a:p>
             <a:pPr lvl="4"/>
             <a:r>
-              <a:rPr lang="ko-KR" altLang="en-US" smtClean="0"/>
+              <a:rPr lang="ko-KR" altLang="en-US"/>
               <a:t>다섯째 수준</a:t>
             </a:r>
-            <a:endParaRPr lang="ko-KR" altLang="en-US"/>
           </a:p>
         </p:txBody>
       </p:sp>
@@ -1666,7 +1669,7 @@
           <a:p>
             <a:pPr lvl="0"/>
             <a:r>
-              <a:rPr lang="ko-KR" altLang="en-US" smtClean="0"/>
+              <a:rPr lang="ko-KR" altLang="en-US"/>
               <a:t>마스터 텍스트 스타일을 편집합니다</a:t>
             </a:r>
           </a:p>
@@ -1722,38 +1725,37 @@
           <a:p>
             <a:pPr lvl="0"/>
             <a:r>
-              <a:rPr lang="ko-KR" altLang="en-US" smtClean="0"/>
+              <a:rPr lang="ko-KR" altLang="en-US"/>
               <a:t>마스터 텍스트 스타일을 편집합니다</a:t>
             </a:r>
           </a:p>
           <a:p>
             <a:pPr lvl="1"/>
             <a:r>
-              <a:rPr lang="ko-KR" altLang="en-US" smtClean="0"/>
+              <a:rPr lang="ko-KR" altLang="en-US"/>
               <a:t>둘째 수준</a:t>
             </a:r>
           </a:p>
           <a:p>
             <a:pPr lvl="2"/>
             <a:r>
-              <a:rPr lang="ko-KR" altLang="en-US" smtClean="0"/>
+              <a:rPr lang="ko-KR" altLang="en-US"/>
               <a:t>셋째 수준</a:t>
             </a:r>
           </a:p>
           <a:p>
             <a:pPr lvl="3"/>
             <a:r>
-              <a:rPr lang="ko-KR" altLang="en-US" smtClean="0"/>
+              <a:rPr lang="ko-KR" altLang="en-US"/>
               <a:t>넷째 수준</a:t>
             </a:r>
           </a:p>
           <a:p>
             <a:pPr lvl="4"/>
             <a:r>
-              <a:rPr lang="ko-KR" altLang="en-US" smtClean="0"/>
+              <a:rPr lang="ko-KR" altLang="en-US"/>
               <a:t>다섯째 수준</a:t>
             </a:r>
-            <a:endParaRPr lang="ko-KR" altLang="en-US"/>
           </a:p>
         </p:txBody>
       </p:sp>
@@ -1774,7 +1776,7 @@
           <a:p>
             <a:fld id="{F11BE0BA-87C2-49CD-8AE4-DDBD14E07456}" type="datetimeFigureOut">
               <a:rPr lang="ko-KR" altLang="en-US" smtClean="0"/>
-              <a:t>2021-05-21</a:t>
+              <a:t>2021-05-24</a:t>
             </a:fld>
             <a:endParaRPr lang="ko-KR" altLang="en-US"/>
           </a:p>
@@ -1868,10 +1870,9 @@
           <a:lstStyle/>
           <a:p>
             <a:r>
-              <a:rPr lang="ko-KR" altLang="en-US" smtClean="0"/>
+              <a:rPr lang="ko-KR" altLang="en-US"/>
               <a:t>마스터 제목 스타일 편집</a:t>
             </a:r>
-            <a:endParaRPr lang="ko-KR" altLang="en-US"/>
           </a:p>
         </p:txBody>
       </p:sp>
@@ -1892,7 +1893,7 @@
           <a:p>
             <a:fld id="{F11BE0BA-87C2-49CD-8AE4-DDBD14E07456}" type="datetimeFigureOut">
               <a:rPr lang="ko-KR" altLang="en-US" smtClean="0"/>
-              <a:t>2021-05-21</a:t>
+              <a:t>2021-05-24</a:t>
             </a:fld>
             <a:endParaRPr lang="ko-KR" altLang="en-US"/>
           </a:p>
@@ -1987,7 +1988,7 @@
           <a:p>
             <a:fld id="{F11BE0BA-87C2-49CD-8AE4-DDBD14E07456}" type="datetimeFigureOut">
               <a:rPr lang="ko-KR" altLang="en-US" smtClean="0"/>
-              <a:t>2021-05-21</a:t>
+              <a:t>2021-05-24</a:t>
             </a:fld>
             <a:endParaRPr lang="ko-KR" altLang="en-US"/>
           </a:p>
@@ -2090,10 +2091,9 @@
           </a:lstStyle>
           <a:p>
             <a:r>
-              <a:rPr lang="ko-KR" altLang="en-US" smtClean="0"/>
+              <a:rPr lang="ko-KR" altLang="en-US"/>
               <a:t>마스터 제목 스타일 편집</a:t>
             </a:r>
-            <a:endParaRPr lang="ko-KR" altLang="en-US"/>
           </a:p>
         </p:txBody>
       </p:sp>
@@ -2147,38 +2147,37 @@
           <a:p>
             <a:pPr lvl="0"/>
             <a:r>
-              <a:rPr lang="ko-KR" altLang="en-US" smtClean="0"/>
+              <a:rPr lang="ko-KR" altLang="en-US"/>
               <a:t>마스터 텍스트 스타일을 편집합니다</a:t>
             </a:r>
           </a:p>
           <a:p>
             <a:pPr lvl="1"/>
             <a:r>
-              <a:rPr lang="ko-KR" altLang="en-US" smtClean="0"/>
+              <a:rPr lang="ko-KR" altLang="en-US"/>
               <a:t>둘째 수준</a:t>
             </a:r>
           </a:p>
           <a:p>
             <a:pPr lvl="2"/>
             <a:r>
-              <a:rPr lang="ko-KR" altLang="en-US" smtClean="0"/>
+              <a:rPr lang="ko-KR" altLang="en-US"/>
               <a:t>셋째 수준</a:t>
             </a:r>
           </a:p>
           <a:p>
             <a:pPr lvl="3"/>
             <a:r>
-              <a:rPr lang="ko-KR" altLang="en-US" smtClean="0"/>
+              <a:rPr lang="ko-KR" altLang="en-US"/>
               <a:t>넷째 수준</a:t>
             </a:r>
           </a:p>
           <a:p>
             <a:pPr lvl="4"/>
             <a:r>
-              <a:rPr lang="ko-KR" altLang="en-US" smtClean="0"/>
+              <a:rPr lang="ko-KR" altLang="en-US"/>
               <a:t>다섯째 수준</a:t>
             </a:r>
-            <a:endParaRPr lang="ko-KR" altLang="en-US"/>
           </a:p>
         </p:txBody>
       </p:sp>
@@ -2241,7 +2240,7 @@
           <a:p>
             <a:pPr lvl="0"/>
             <a:r>
-              <a:rPr lang="ko-KR" altLang="en-US" smtClean="0"/>
+              <a:rPr lang="ko-KR" altLang="en-US"/>
               <a:t>마스터 텍스트 스타일을 편집합니다</a:t>
             </a:r>
           </a:p>
@@ -2264,7 +2263,7 @@
           <a:p>
             <a:fld id="{F11BE0BA-87C2-49CD-8AE4-DDBD14E07456}" type="datetimeFigureOut">
               <a:rPr lang="ko-KR" altLang="en-US" smtClean="0"/>
-              <a:t>2021-05-21</a:t>
+              <a:t>2021-05-24</a:t>
             </a:fld>
             <a:endParaRPr lang="ko-KR" altLang="en-US"/>
           </a:p>
@@ -2367,10 +2366,9 @@
           </a:lstStyle>
           <a:p>
             <a:r>
-              <a:rPr lang="ko-KR" altLang="en-US" smtClean="0"/>
+              <a:rPr lang="ko-KR" altLang="en-US"/>
               <a:t>마스터 제목 스타일 편집</a:t>
             </a:r>
-            <a:endParaRPr lang="ko-KR" altLang="en-US"/>
           </a:p>
         </p:txBody>
       </p:sp>
@@ -2494,7 +2492,7 @@
           <a:p>
             <a:pPr lvl="0"/>
             <a:r>
-              <a:rPr lang="ko-KR" altLang="en-US" smtClean="0"/>
+              <a:rPr lang="ko-KR" altLang="en-US"/>
               <a:t>마스터 텍스트 스타일을 편집합니다</a:t>
             </a:r>
           </a:p>
@@ -2517,7 +2515,7 @@
           <a:p>
             <a:fld id="{F11BE0BA-87C2-49CD-8AE4-DDBD14E07456}" type="datetimeFigureOut">
               <a:rPr lang="ko-KR" altLang="en-US" smtClean="0"/>
-              <a:t>2021-05-21</a:t>
+              <a:t>2021-05-24</a:t>
             </a:fld>
             <a:endParaRPr lang="ko-KR" altLang="en-US"/>
           </a:p>
@@ -2626,10 +2624,9 @@
           <a:lstStyle/>
           <a:p>
             <a:r>
-              <a:rPr lang="ko-KR" altLang="en-US" smtClean="0"/>
+              <a:rPr lang="ko-KR" altLang="en-US"/>
               <a:t>마스터 제목 스타일 편집</a:t>
             </a:r>
-            <a:endParaRPr lang="ko-KR" altLang="en-US"/>
           </a:p>
         </p:txBody>
       </p:sp>
@@ -2660,38 +2657,37 @@
           <a:p>
             <a:pPr lvl="0"/>
             <a:r>
-              <a:rPr lang="ko-KR" altLang="en-US" smtClean="0"/>
+              <a:rPr lang="ko-KR" altLang="en-US"/>
               <a:t>마스터 텍스트 스타일을 편집합니다</a:t>
             </a:r>
           </a:p>
           <a:p>
             <a:pPr lvl="1"/>
             <a:r>
-              <a:rPr lang="ko-KR" altLang="en-US" smtClean="0"/>
+              <a:rPr lang="ko-KR" altLang="en-US"/>
               <a:t>둘째 수준</a:t>
             </a:r>
           </a:p>
           <a:p>
             <a:pPr lvl="2"/>
             <a:r>
-              <a:rPr lang="ko-KR" altLang="en-US" smtClean="0"/>
+              <a:rPr lang="ko-KR" altLang="en-US"/>
               <a:t>셋째 수준</a:t>
             </a:r>
           </a:p>
           <a:p>
             <a:pPr lvl="3"/>
             <a:r>
-              <a:rPr lang="ko-KR" altLang="en-US" smtClean="0"/>
+              <a:rPr lang="ko-KR" altLang="en-US"/>
               <a:t>넷째 수준</a:t>
             </a:r>
           </a:p>
           <a:p>
             <a:pPr lvl="4"/>
             <a:r>
-              <a:rPr lang="ko-KR" altLang="en-US" smtClean="0"/>
+              <a:rPr lang="ko-KR" altLang="en-US"/>
               <a:t>다섯째 수준</a:t>
             </a:r>
-            <a:endParaRPr lang="ko-KR" altLang="en-US"/>
           </a:p>
         </p:txBody>
       </p:sp>
@@ -2730,7 +2726,7 @@
           <a:p>
             <a:fld id="{F11BE0BA-87C2-49CD-8AE4-DDBD14E07456}" type="datetimeFigureOut">
               <a:rPr lang="ko-KR" altLang="en-US" smtClean="0"/>
-              <a:t>2021-05-21</a:t>
+              <a:t>2021-05-24</a:t>
             </a:fld>
             <a:endParaRPr lang="ko-KR" altLang="en-US"/>
           </a:p>
@@ -3198,7 +3194,7 @@
           <a:p>
             <a:pPr algn="ctr"/>
             <a:r>
-              <a:rPr lang="en-US" altLang="ko-KR" dirty="0" smtClean="0"/>
+              <a:rPr lang="en-US" altLang="ko-KR" dirty="0"/>
               <a:t>search</a:t>
             </a:r>
             <a:endParaRPr lang="ko-KR" altLang="en-US" dirty="0"/>
@@ -3250,7 +3246,7 @@
           <a:p>
             <a:pPr algn="ctr"/>
             <a:r>
-              <a:rPr lang="en-US" altLang="ko-KR" dirty="0" smtClean="0"/>
+              <a:rPr lang="en-US" altLang="ko-KR" dirty="0"/>
               <a:t>image</a:t>
             </a:r>
             <a:endParaRPr lang="ko-KR" altLang="en-US" dirty="0"/>
@@ -3302,7 +3298,7 @@
           <a:p>
             <a:pPr algn="ctr"/>
             <a:r>
-              <a:rPr lang="en-US" altLang="ko-KR" dirty="0" smtClean="0"/>
+              <a:rPr lang="en-US" altLang="ko-KR" dirty="0"/>
               <a:t>Real time Ranking</a:t>
             </a:r>
             <a:endParaRPr lang="ko-KR" altLang="en-US" dirty="0"/>
@@ -3354,7 +3350,7 @@
           <a:p>
             <a:pPr algn="ctr"/>
             <a:r>
-              <a:rPr lang="en-US" altLang="ko-KR" dirty="0" smtClean="0"/>
+              <a:rPr lang="en-US" altLang="ko-KR" dirty="0"/>
               <a:t>Hot Ranking</a:t>
             </a:r>
             <a:endParaRPr lang="ko-KR" altLang="en-US" dirty="0"/>
@@ -3406,7 +3402,7 @@
           <a:p>
             <a:pPr algn="ctr"/>
             <a:r>
-              <a:rPr lang="ko-KR" altLang="en-US" sz="1000" dirty="0" smtClean="0">
+              <a:rPr lang="ko-KR" altLang="en-US" sz="1000" dirty="0">
                 <a:solidFill>
                   <a:schemeClr val="tx1"/>
                 </a:solidFill>
@@ -3414,7 +3410,7 @@
               <a:t>로그인</a:t>
             </a:r>
             <a:r>
-              <a:rPr lang="en-US" altLang="ko-KR" sz="1000" dirty="0" smtClean="0">
+              <a:rPr lang="en-US" altLang="ko-KR" sz="1000" dirty="0">
                 <a:solidFill>
                   <a:schemeClr val="tx1"/>
                 </a:solidFill>
@@ -3422,18 +3418,13 @@
               <a:t>/</a:t>
             </a:r>
             <a:r>
-              <a:rPr lang="ko-KR" altLang="en-US" sz="1000" dirty="0" smtClean="0">
+              <a:rPr lang="ko-KR" altLang="en-US" sz="1000" dirty="0">
                 <a:solidFill>
                   <a:schemeClr val="tx1"/>
                 </a:solidFill>
               </a:rPr>
               <a:t>회원가입</a:t>
             </a:r>
-            <a:endParaRPr lang="ko-KR" altLang="en-US" sz="1000" dirty="0">
-              <a:solidFill>
-                <a:schemeClr val="tx1"/>
-              </a:solidFill>
-            </a:endParaRPr>
           </a:p>
         </p:txBody>
       </p:sp>
@@ -3482,7 +3473,7 @@
           <a:p>
             <a:pPr algn="ctr"/>
             <a:r>
-              <a:rPr lang="en-US" altLang="ko-KR" dirty="0" smtClean="0"/>
+              <a:rPr lang="en-US" altLang="ko-KR" dirty="0"/>
               <a:t>Hot Ranking</a:t>
             </a:r>
             <a:endParaRPr lang="ko-KR" altLang="en-US" dirty="0"/>
@@ -3534,10 +3525,9 @@
           <a:p>
             <a:pPr algn="ctr"/>
             <a:r>
-              <a:rPr lang="ko-KR" altLang="en-US" dirty="0" smtClean="0"/>
+              <a:rPr lang="ko-KR" altLang="en-US" dirty="0"/>
               <a:t>메뉴</a:t>
             </a:r>
-            <a:endParaRPr lang="ko-KR" altLang="en-US" dirty="0"/>
           </a:p>
         </p:txBody>
       </p:sp>
@@ -3586,19 +3576,19 @@
           <a:p>
             <a:pPr algn="ctr"/>
             <a:r>
-              <a:rPr lang="ko-KR" altLang="en-US" sz="900" dirty="0" err="1" smtClean="0"/>
+              <a:rPr lang="ko-KR" altLang="en-US" sz="900" dirty="0" err="1"/>
               <a:t>사이트명</a:t>
             </a:r>
             <a:r>
-              <a:rPr lang="en-US" altLang="ko-KR" sz="900" dirty="0" smtClean="0"/>
+              <a:rPr lang="en-US" altLang="ko-KR" sz="900" dirty="0"/>
               <a:t>(home </a:t>
             </a:r>
             <a:r>
-              <a:rPr lang="en-US" altLang="ko-KR" sz="900" dirty="0" err="1" smtClean="0"/>
+              <a:rPr lang="en-US" altLang="ko-KR" sz="900" dirty="0" err="1"/>
               <a:t>butoon</a:t>
             </a:r>
             <a:r>
-              <a:rPr lang="en-US" altLang="ko-KR" sz="900" dirty="0" smtClean="0"/>
+              <a:rPr lang="en-US" altLang="ko-KR" sz="900" dirty="0"/>
               <a:t>)</a:t>
             </a:r>
             <a:endParaRPr lang="ko-KR" altLang="en-US" sz="900" dirty="0"/>
@@ -3628,7 +3618,7 @@
           <a:lstStyle/>
           <a:p>
             <a:r>
-              <a:rPr lang="en-US" altLang="ko-KR" dirty="0" smtClean="0"/>
+              <a:rPr lang="en-US" altLang="ko-KR" dirty="0"/>
               <a:t>1280</a:t>
             </a:r>
             <a:endParaRPr lang="ko-KR" altLang="en-US" dirty="0"/>
@@ -3658,7 +3648,7 @@
           <a:lstStyle/>
           <a:p>
             <a:r>
-              <a:rPr lang="en-US" altLang="ko-KR" dirty="0" smtClean="0"/>
+              <a:rPr lang="en-US" altLang="ko-KR" dirty="0"/>
               <a:t>1920</a:t>
             </a:r>
             <a:endParaRPr lang="ko-KR" altLang="en-US" dirty="0"/>
@@ -3688,7 +3678,7 @@
           <a:lstStyle/>
           <a:p>
             <a:r>
-              <a:rPr lang="en-US" altLang="ko-KR" dirty="0" smtClean="0"/>
+              <a:rPr lang="en-US" altLang="ko-KR" dirty="0"/>
               <a:t>index</a:t>
             </a:r>
             <a:endParaRPr lang="ko-KR" altLang="en-US" dirty="0"/>
@@ -3818,7 +3808,7 @@
           <a:p>
             <a:pPr algn="ctr"/>
             <a:r>
-              <a:rPr lang="en-US" altLang="ko-KR" sz="1100" dirty="0" smtClean="0"/>
+              <a:rPr lang="en-US" altLang="ko-KR" sz="1100" dirty="0"/>
               <a:t>image</a:t>
             </a:r>
             <a:endParaRPr lang="ko-KR" altLang="en-US" sz="1100" dirty="0"/>
@@ -3870,7 +3860,7 @@
           <a:p>
             <a:pPr algn="ctr"/>
             <a:r>
-              <a:rPr lang="en-US" altLang="ko-KR" dirty="0" smtClean="0"/>
+              <a:rPr lang="en-US" altLang="ko-KR" dirty="0"/>
               <a:t>search</a:t>
             </a:r>
             <a:endParaRPr lang="ko-KR" altLang="en-US" dirty="0"/>
@@ -3922,7 +3912,7 @@
           <a:p>
             <a:pPr algn="ctr"/>
             <a:r>
-              <a:rPr lang="en-US" altLang="ko-KR" dirty="0" smtClean="0"/>
+              <a:rPr lang="en-US" altLang="ko-KR" dirty="0"/>
               <a:t>Ranking</a:t>
             </a:r>
             <a:endParaRPr lang="ko-KR" altLang="en-US" dirty="0"/>
@@ -3974,7 +3964,7 @@
           <a:p>
             <a:pPr algn="ctr"/>
             <a:r>
-              <a:rPr lang="en-US" altLang="ko-KR" dirty="0" smtClean="0"/>
+              <a:rPr lang="en-US" altLang="ko-KR" dirty="0"/>
               <a:t>vote</a:t>
             </a:r>
             <a:endParaRPr lang="ko-KR" altLang="en-US" dirty="0"/>
@@ -4026,19 +4016,19 @@
           <a:p>
             <a:pPr algn="ctr"/>
             <a:r>
-              <a:rPr lang="ko-KR" altLang="en-US" sz="900" dirty="0" err="1" smtClean="0"/>
+              <a:rPr lang="ko-KR" altLang="en-US" sz="900" dirty="0" err="1"/>
               <a:t>사이트명</a:t>
             </a:r>
             <a:r>
-              <a:rPr lang="en-US" altLang="ko-KR" sz="900" dirty="0" smtClean="0"/>
+              <a:rPr lang="en-US" altLang="ko-KR" sz="900" dirty="0"/>
               <a:t>(home </a:t>
             </a:r>
             <a:r>
-              <a:rPr lang="en-US" altLang="ko-KR" sz="900" dirty="0" err="1" smtClean="0"/>
+              <a:rPr lang="en-US" altLang="ko-KR" sz="900" dirty="0" err="1"/>
               <a:t>butoon</a:t>
             </a:r>
             <a:r>
-              <a:rPr lang="en-US" altLang="ko-KR" sz="900" dirty="0" smtClean="0"/>
+              <a:rPr lang="en-US" altLang="ko-KR" sz="900" dirty="0"/>
               <a:t>)</a:t>
             </a:r>
             <a:endParaRPr lang="ko-KR" altLang="en-US" sz="900" dirty="0"/>
@@ -4068,7 +4058,7 @@
           <a:lstStyle/>
           <a:p>
             <a:r>
-              <a:rPr lang="en-US" altLang="ko-KR" dirty="0" smtClean="0"/>
+              <a:rPr lang="en-US" altLang="ko-KR" dirty="0"/>
               <a:t>search</a:t>
             </a:r>
             <a:endParaRPr lang="ko-KR" altLang="en-US" dirty="0"/>
@@ -4198,7 +4188,7 @@
           <a:p>
             <a:pPr algn="ctr"/>
             <a:r>
-              <a:rPr lang="en-US" altLang="ko-KR" sz="1100" dirty="0" smtClean="0"/>
+              <a:rPr lang="en-US" altLang="ko-KR" sz="1100" dirty="0"/>
               <a:t>image</a:t>
             </a:r>
             <a:endParaRPr lang="ko-KR" altLang="en-US" sz="1100" dirty="0"/>
@@ -4250,7 +4240,7 @@
           <a:p>
             <a:pPr algn="ctr"/>
             <a:r>
-              <a:rPr lang="en-US" altLang="ko-KR" dirty="0" smtClean="0"/>
+              <a:rPr lang="en-US" altLang="ko-KR" dirty="0"/>
               <a:t>search</a:t>
             </a:r>
             <a:endParaRPr lang="ko-KR" altLang="en-US" dirty="0"/>
@@ -4302,7 +4292,7 @@
           <a:p>
             <a:pPr algn="ctr"/>
             <a:r>
-              <a:rPr lang="en-US" altLang="ko-KR" dirty="0" smtClean="0"/>
+              <a:rPr lang="en-US" altLang="ko-KR" dirty="0"/>
               <a:t>Vote?</a:t>
             </a:r>
             <a:endParaRPr lang="ko-KR" altLang="en-US" dirty="0"/>
@@ -4354,19 +4344,19 @@
           <a:p>
             <a:pPr algn="ctr"/>
             <a:r>
-              <a:rPr lang="ko-KR" altLang="en-US" sz="900" dirty="0" err="1" smtClean="0"/>
+              <a:rPr lang="ko-KR" altLang="en-US" sz="900" dirty="0" err="1"/>
               <a:t>사이트명</a:t>
             </a:r>
             <a:r>
-              <a:rPr lang="en-US" altLang="ko-KR" sz="900" dirty="0" smtClean="0"/>
+              <a:rPr lang="en-US" altLang="ko-KR" sz="900" dirty="0"/>
               <a:t>(home </a:t>
             </a:r>
             <a:r>
-              <a:rPr lang="en-US" altLang="ko-KR" sz="900" dirty="0" err="1" smtClean="0"/>
+              <a:rPr lang="en-US" altLang="ko-KR" sz="900" dirty="0" err="1"/>
               <a:t>butoon</a:t>
             </a:r>
             <a:r>
-              <a:rPr lang="en-US" altLang="ko-KR" sz="900" dirty="0" smtClean="0"/>
+              <a:rPr lang="en-US" altLang="ko-KR" sz="900" dirty="0"/>
               <a:t>)</a:t>
             </a:r>
             <a:endParaRPr lang="ko-KR" altLang="en-US" sz="900" dirty="0"/>
@@ -4396,7 +4386,7 @@
           <a:lstStyle/>
           <a:p>
             <a:r>
-              <a:rPr lang="en-US" altLang="ko-KR" dirty="0" smtClean="0"/>
+              <a:rPr lang="en-US" altLang="ko-KR" dirty="0"/>
               <a:t>vote</a:t>
             </a:r>
             <a:endParaRPr lang="ko-KR" altLang="en-US" dirty="0"/>
@@ -4574,7 +4564,7 @@
           <a:p>
             <a:pPr algn="ctr"/>
             <a:r>
-              <a:rPr lang="ko-KR" altLang="en-US" sz="1000" dirty="0" smtClean="0">
+              <a:rPr lang="ko-KR" altLang="en-US" sz="1000" dirty="0">
                 <a:solidFill>
                   <a:schemeClr val="tx1"/>
                 </a:solidFill>
@@ -4582,7 +4572,7 @@
               <a:t>로그인</a:t>
             </a:r>
             <a:r>
-              <a:rPr lang="en-US" altLang="ko-KR" sz="1000" dirty="0" smtClean="0">
+              <a:rPr lang="en-US" altLang="ko-KR" sz="1000" dirty="0">
                 <a:solidFill>
                   <a:schemeClr val="tx1"/>
                 </a:solidFill>
@@ -4590,18 +4580,13 @@
               <a:t>/</a:t>
             </a:r>
             <a:r>
-              <a:rPr lang="ko-KR" altLang="en-US" sz="1000" dirty="0" smtClean="0">
+              <a:rPr lang="ko-KR" altLang="en-US" sz="1000" dirty="0">
                 <a:solidFill>
                   <a:schemeClr val="tx1"/>
                 </a:solidFill>
               </a:rPr>
               <a:t>회원가입</a:t>
             </a:r>
-            <a:endParaRPr lang="ko-KR" altLang="en-US" sz="1000" dirty="0">
-              <a:solidFill>
-                <a:schemeClr val="tx1"/>
-              </a:solidFill>
-            </a:endParaRPr>
           </a:p>
         </p:txBody>
       </p:sp>
@@ -4650,10 +4635,9 @@
           <a:p>
             <a:pPr algn="ctr"/>
             <a:r>
-              <a:rPr lang="ko-KR" altLang="en-US" dirty="0" smtClean="0"/>
+              <a:rPr lang="ko-KR" altLang="en-US" dirty="0"/>
               <a:t>메뉴</a:t>
             </a:r>
-            <a:endParaRPr lang="ko-KR" altLang="en-US" dirty="0"/>
           </a:p>
         </p:txBody>
       </p:sp>
@@ -4702,19 +4686,19 @@
           <a:p>
             <a:pPr algn="ctr"/>
             <a:r>
-              <a:rPr lang="ko-KR" altLang="en-US" sz="900" dirty="0" err="1" smtClean="0"/>
+              <a:rPr lang="ko-KR" altLang="en-US" sz="900" dirty="0" err="1"/>
               <a:t>사이트명</a:t>
             </a:r>
             <a:r>
-              <a:rPr lang="en-US" altLang="ko-KR" sz="900" dirty="0" smtClean="0"/>
+              <a:rPr lang="en-US" altLang="ko-KR" sz="900" dirty="0"/>
               <a:t>(home </a:t>
             </a:r>
             <a:r>
-              <a:rPr lang="en-US" altLang="ko-KR" sz="900" dirty="0" err="1" smtClean="0"/>
+              <a:rPr lang="en-US" altLang="ko-KR" sz="900" dirty="0" err="1"/>
               <a:t>butoon</a:t>
             </a:r>
             <a:r>
-              <a:rPr lang="en-US" altLang="ko-KR" sz="900" dirty="0" smtClean="0"/>
+              <a:rPr lang="en-US" altLang="ko-KR" sz="900" dirty="0"/>
               <a:t>)</a:t>
             </a:r>
             <a:endParaRPr lang="ko-KR" altLang="en-US" sz="900" dirty="0"/>
@@ -4766,7 +4750,7 @@
           <a:p>
             <a:pPr algn="ctr"/>
             <a:r>
-              <a:rPr lang="en-US" altLang="ko-KR" dirty="0" smtClean="0"/>
+              <a:rPr lang="en-US" altLang="ko-KR" dirty="0"/>
               <a:t>Vote?</a:t>
             </a:r>
             <a:endParaRPr lang="ko-KR" altLang="en-US" dirty="0"/>
@@ -4818,7 +4802,7 @@
           <a:p>
             <a:pPr algn="ctr"/>
             <a:r>
-              <a:rPr lang="ko-KR" altLang="en-US" sz="1400" dirty="0" err="1" smtClean="0"/>
+              <a:rPr lang="ko-KR" altLang="en-US" sz="1400" dirty="0" err="1"/>
               <a:t>댓글창</a:t>
             </a:r>
             <a:endParaRPr lang="ko-KR" altLang="en-US" sz="1400" dirty="0"/>
@@ -4848,11 +4832,11 @@
           <a:lstStyle/>
           <a:p>
             <a:r>
-              <a:rPr lang="ko-KR" altLang="en-US" dirty="0" smtClean="0"/>
+              <a:rPr lang="ko-KR" altLang="en-US" dirty="0"/>
               <a:t>설명</a:t>
             </a:r>
             <a:r>
-              <a:rPr lang="en-US" altLang="ko-KR" dirty="0" smtClean="0"/>
+              <a:rPr lang="en-US" altLang="ko-KR" dirty="0"/>
               <a:t>?</a:t>
             </a:r>
             <a:endParaRPr lang="ko-KR" altLang="en-US" dirty="0"/>
@@ -4904,7 +4888,7 @@
           <a:p>
             <a:pPr algn="ctr"/>
             <a:r>
-              <a:rPr lang="en-US" altLang="ko-KR" dirty="0" smtClean="0"/>
+              <a:rPr lang="en-US" altLang="ko-KR" dirty="0"/>
               <a:t>search</a:t>
             </a:r>
             <a:endParaRPr lang="ko-KR" altLang="en-US" dirty="0"/>
@@ -4956,7 +4940,7 @@
           <a:p>
             <a:pPr algn="ctr"/>
             <a:r>
-              <a:rPr lang="en-US" altLang="ko-KR" dirty="0" smtClean="0"/>
+              <a:rPr lang="en-US" altLang="ko-KR" dirty="0"/>
               <a:t>image</a:t>
             </a:r>
             <a:endParaRPr lang="ko-KR" altLang="en-US" dirty="0"/>
@@ -5001,7 +4985,7 @@
         </p:nvSpPr>
         <p:spPr>
           <a:xfrm>
-            <a:off x="1331640" y="0"/>
+            <a:off x="1328202" y="11420"/>
             <a:ext cx="6480720" cy="5143500"/>
           </a:xfrm>
           <a:prstGeom prst="rect">
@@ -5049,7 +5033,7 @@
         </p:nvSpPr>
         <p:spPr>
           <a:xfrm>
-            <a:off x="3466980" y="1872788"/>
+            <a:off x="3466982" y="1635646"/>
             <a:ext cx="2210038" cy="370113"/>
           </a:xfrm>
           <a:prstGeom prst="rect">
@@ -5086,7 +5070,7 @@
           <a:p>
             <a:pPr algn="ctr"/>
             <a:r>
-              <a:rPr lang="en-US" altLang="ko-KR" dirty="0" smtClean="0"/>
+              <a:rPr lang="en-US" altLang="ko-KR" dirty="0"/>
               <a:t>ID</a:t>
             </a:r>
             <a:endParaRPr lang="ko-KR" altLang="en-US" dirty="0"/>
@@ -5101,7 +5085,7 @@
         </p:nvSpPr>
         <p:spPr>
           <a:xfrm>
-            <a:off x="3466979" y="2438779"/>
+            <a:off x="3466981" y="2201637"/>
             <a:ext cx="2210038" cy="370113"/>
           </a:xfrm>
           <a:prstGeom prst="rect">
@@ -5138,7 +5122,7 @@
           <a:p>
             <a:pPr algn="ctr"/>
             <a:r>
-              <a:rPr lang="en-US" altLang="ko-KR" dirty="0" smtClean="0"/>
+              <a:rPr lang="en-US" altLang="ko-KR" dirty="0"/>
               <a:t>Password</a:t>
             </a:r>
             <a:endParaRPr lang="ko-KR" altLang="en-US" dirty="0"/>
@@ -5147,20 +5131,20 @@
       </p:sp>
       <p:sp>
         <p:nvSpPr>
-          <p:cNvPr id="7" name="직사각형 6"/>
+          <p:cNvPr id="8" name="타원 7"/>
           <p:cNvSpPr/>
           <p:nvPr/>
         </p:nvSpPr>
         <p:spPr>
           <a:xfrm>
-            <a:off x="4009572" y="3624520"/>
-            <a:ext cx="1124856" cy="239485"/>
-          </a:xfrm>
-          <a:prstGeom prst="rect">
+            <a:off x="3203848" y="310770"/>
+            <a:ext cx="740495" cy="722587"/>
+          </a:xfrm>
+          <a:prstGeom prst="ellipse">
             <a:avLst/>
           </a:prstGeom>
           <a:solidFill>
-            <a:schemeClr val="accent3"/>
+            <a:schemeClr val="tx2"/>
           </a:solidFill>
           <a:ln>
             <a:solidFill>
@@ -5190,53 +5174,29 @@
           <a:p>
             <a:pPr algn="ctr"/>
             <a:r>
-              <a:rPr lang="ko-KR" altLang="en-US" sz="1000" dirty="0" smtClean="0">
-                <a:solidFill>
-                  <a:schemeClr val="tx1"/>
-                </a:solidFill>
-              </a:rPr>
-              <a:t>찾기 </a:t>
-            </a:r>
-            <a:r>
-              <a:rPr lang="en-US" altLang="ko-KR" sz="1000" dirty="0" smtClean="0">
-                <a:solidFill>
-                  <a:schemeClr val="tx1"/>
-                </a:solidFill>
-              </a:rPr>
-              <a:t>/ </a:t>
-            </a:r>
-            <a:r>
-              <a:rPr lang="ko-KR" altLang="en-US" sz="1000" dirty="0" smtClean="0">
-                <a:solidFill>
-                  <a:schemeClr val="tx1"/>
-                </a:solidFill>
-              </a:rPr>
-              <a:t>회원가입</a:t>
-            </a:r>
-            <a:endParaRPr lang="ko-KR" altLang="en-US" sz="1000" dirty="0">
-              <a:solidFill>
-                <a:schemeClr val="tx1"/>
-              </a:solidFill>
-            </a:endParaRPr>
-          </a:p>
-        </p:txBody>
-      </p:sp>
-      <p:sp>
-        <p:nvSpPr>
-          <p:cNvPr id="8" name="타원 7"/>
+              <a:rPr lang="en-US" altLang="ko-KR" sz="800" dirty="0"/>
+              <a:t>image</a:t>
+            </a:r>
+            <a:endParaRPr lang="ko-KR" altLang="en-US" sz="800" dirty="0"/>
+          </a:p>
+        </p:txBody>
+      </p:sp>
+      <p:sp>
+        <p:nvSpPr>
+          <p:cNvPr id="9" name="직사각형 8"/>
           <p:cNvSpPr/>
           <p:nvPr/>
         </p:nvSpPr>
         <p:spPr>
           <a:xfrm>
-            <a:off x="3203848" y="699542"/>
-            <a:ext cx="740495" cy="722587"/>
-          </a:xfrm>
-          <a:prstGeom prst="ellipse">
+            <a:off x="4150313" y="403896"/>
+            <a:ext cx="1509485" cy="536336"/>
+          </a:xfrm>
+          <a:prstGeom prst="rect">
             <a:avLst/>
           </a:prstGeom>
           <a:solidFill>
-            <a:schemeClr val="tx2"/>
+            <a:schemeClr val="accent3"/>
           </a:solidFill>
           <a:ln>
             <a:solidFill>
@@ -5266,63 +5226,11 @@
           <a:p>
             <a:pPr algn="ctr"/>
             <a:r>
-              <a:rPr lang="en-US" altLang="ko-KR" sz="800" dirty="0" smtClean="0"/>
-              <a:t>image</a:t>
-            </a:r>
-            <a:endParaRPr lang="ko-KR" altLang="en-US" sz="800" dirty="0"/>
-          </a:p>
-        </p:txBody>
-      </p:sp>
-      <p:sp>
-        <p:nvSpPr>
-          <p:cNvPr id="9" name="직사각형 8"/>
-          <p:cNvSpPr/>
-          <p:nvPr/>
-        </p:nvSpPr>
-        <p:spPr>
-          <a:xfrm>
-            <a:off x="4150313" y="792668"/>
-            <a:ext cx="1509485" cy="536336"/>
-          </a:xfrm>
-          <a:prstGeom prst="rect">
-            <a:avLst/>
-          </a:prstGeom>
-          <a:solidFill>
-            <a:schemeClr val="accent3"/>
-          </a:solidFill>
-          <a:ln>
-            <a:solidFill>
-              <a:schemeClr val="tx1"/>
-            </a:solidFill>
-          </a:ln>
-        </p:spPr>
-        <p:style>
-          <a:lnRef idx="2">
-            <a:schemeClr val="accent1">
-              <a:shade val="50000"/>
-            </a:schemeClr>
-          </a:lnRef>
-          <a:fillRef idx="1">
-            <a:schemeClr val="accent1"/>
-          </a:fillRef>
-          <a:effectRef idx="0">
-            <a:schemeClr val="accent1"/>
-          </a:effectRef>
-          <a:fontRef idx="minor">
-            <a:schemeClr val="lt1"/>
-          </a:fontRef>
-        </p:style>
-        <p:txBody>
-          <a:bodyPr rtlCol="0" anchor="ctr"/>
-          <a:lstStyle/>
-          <a:p>
-            <a:pPr algn="ctr"/>
-            <a:r>
-              <a:rPr lang="ko-KR" altLang="en-US" sz="900" dirty="0" err="1" smtClean="0"/>
+              <a:rPr lang="ko-KR" altLang="en-US" sz="900" dirty="0" err="1"/>
               <a:t>사이트명</a:t>
             </a:r>
             <a:r>
-              <a:rPr lang="en-US" altLang="ko-KR" sz="900" dirty="0" smtClean="0"/>
+              <a:rPr lang="en-US" altLang="ko-KR" sz="900" dirty="0"/>
               <a:t>( home button)</a:t>
             </a:r>
             <a:endParaRPr lang="ko-KR" altLang="en-US" sz="900" dirty="0"/>
@@ -5337,7 +5245,7 @@
         </p:nvSpPr>
         <p:spPr>
           <a:xfrm>
-            <a:off x="3478253" y="2989364"/>
+            <a:off x="3478255" y="2752222"/>
             <a:ext cx="2187488" cy="398841"/>
           </a:xfrm>
           <a:prstGeom prst="rect">
@@ -5372,7 +5280,7 @@
           <a:p>
             <a:pPr algn="ctr"/>
             <a:r>
-              <a:rPr lang="en-US" altLang="ko-KR" dirty="0" smtClean="0">
+              <a:rPr lang="en-US" altLang="ko-KR" dirty="0">
                 <a:solidFill>
                   <a:schemeClr val="tx1"/>
                 </a:solidFill>
@@ -5396,7 +5304,7 @@
         <p:spPr>
           <a:xfrm>
             <a:off x="251520" y="254048"/>
-            <a:ext cx="595035" cy="369332"/>
+            <a:ext cx="761747" cy="369332"/>
           </a:xfrm>
           <a:prstGeom prst="rect">
             <a:avLst/>
@@ -5410,10 +5318,95 @@
           <a:lstStyle/>
           <a:p>
             <a:r>
-              <a:rPr lang="en-US" altLang="ko-KR" dirty="0" smtClean="0"/>
-              <a:t>Join</a:t>
+              <a:rPr lang="en-US" altLang="ko-KR" dirty="0"/>
+              <a:t>Login</a:t>
             </a:r>
             <a:endParaRPr lang="ko-KR" altLang="en-US" dirty="0"/>
+          </a:p>
+        </p:txBody>
+      </p:sp>
+      <p:sp>
+        <p:nvSpPr>
+          <p:cNvPr id="13" name="직사각형 12">
+            <a:extLst>
+              <a:ext uri="{FF2B5EF4-FFF2-40B4-BE49-F238E27FC236}">
+                <a16:creationId xmlns:a16="http://schemas.microsoft.com/office/drawing/2014/main" id="{8D9AA7ED-2A0D-4796-8453-9BAD98824D6A}"/>
+              </a:ext>
+            </a:extLst>
+          </p:cNvPr>
+          <p:cNvSpPr/>
+          <p:nvPr/>
+        </p:nvSpPr>
+        <p:spPr>
+          <a:xfrm>
+            <a:off x="3478255" y="3335898"/>
+            <a:ext cx="1497184" cy="244441"/>
+          </a:xfrm>
+          <a:prstGeom prst="rect">
+            <a:avLst/>
+          </a:prstGeom>
+          <a:solidFill>
+            <a:schemeClr val="accent3"/>
+          </a:solidFill>
+          <a:ln>
+            <a:solidFill>
+              <a:schemeClr val="tx1"/>
+            </a:solidFill>
+          </a:ln>
+        </p:spPr>
+        <p:style>
+          <a:lnRef idx="2">
+            <a:schemeClr val="accent1">
+              <a:shade val="50000"/>
+            </a:schemeClr>
+          </a:lnRef>
+          <a:fillRef idx="1">
+            <a:schemeClr val="accent1"/>
+          </a:fillRef>
+          <a:effectRef idx="0">
+            <a:schemeClr val="accent1"/>
+          </a:effectRef>
+          <a:fontRef idx="minor">
+            <a:schemeClr val="lt1"/>
+          </a:fontRef>
+        </p:style>
+        <p:txBody>
+          <a:bodyPr rtlCol="0" anchor="ctr"/>
+          <a:lstStyle/>
+          <a:p>
+            <a:pPr algn="ctr"/>
+            <a:r>
+              <a:rPr lang="en-US" altLang="ko-KR" sz="1000" dirty="0">
+                <a:solidFill>
+                  <a:schemeClr val="tx1"/>
+                </a:solidFill>
+              </a:rPr>
+              <a:t>ID/ PW</a:t>
+            </a:r>
+            <a:r>
+              <a:rPr lang="ko-KR" altLang="en-US" sz="1000" dirty="0">
+                <a:solidFill>
+                  <a:schemeClr val="tx1"/>
+                </a:solidFill>
+              </a:rPr>
+              <a:t>찾기 </a:t>
+            </a:r>
+            <a:r>
+              <a:rPr lang="en-US" altLang="ko-KR" sz="1000" dirty="0">
+                <a:solidFill>
+                  <a:schemeClr val="tx1"/>
+                </a:solidFill>
+              </a:rPr>
+              <a:t>/</a:t>
+            </a:r>
+            <a:r>
+              <a:rPr lang="ko-KR" altLang="en-US" sz="1000" dirty="0">
+                <a:solidFill>
+                  <a:schemeClr val="tx1"/>
+                </a:solidFill>
+              </a:rPr>
+              <a:t>회원가입</a:t>
+            </a:r>
           </a:p>
         </p:txBody>
       </p:sp>
@@ -5540,7 +5533,7 @@
           <a:p>
             <a:pPr algn="ctr"/>
             <a:r>
-              <a:rPr lang="en-US" altLang="ko-KR" sz="800" dirty="0" smtClean="0"/>
+              <a:rPr lang="en-US" altLang="ko-KR" sz="800" dirty="0"/>
               <a:t>image</a:t>
             </a:r>
             <a:endParaRPr lang="ko-KR" altLang="en-US" sz="800" dirty="0"/>
@@ -5592,11 +5585,11 @@
           <a:p>
             <a:pPr algn="ctr"/>
             <a:r>
-              <a:rPr lang="ko-KR" altLang="en-US" sz="900" dirty="0" err="1" smtClean="0"/>
+              <a:rPr lang="ko-KR" altLang="en-US" sz="900" dirty="0" err="1"/>
               <a:t>사이트명</a:t>
             </a:r>
             <a:r>
-              <a:rPr lang="en-US" altLang="ko-KR" sz="900" dirty="0" smtClean="0"/>
+              <a:rPr lang="en-US" altLang="ko-KR" sz="900" dirty="0"/>
               <a:t>( home button)</a:t>
             </a:r>
             <a:endParaRPr lang="ko-KR" altLang="en-US" sz="900" dirty="0"/>
@@ -5611,7 +5604,7 @@
         </p:nvSpPr>
         <p:spPr>
           <a:xfrm>
-            <a:off x="3443423" y="1563637"/>
+            <a:off x="3443423" y="1347614"/>
             <a:ext cx="2257147" cy="370113"/>
           </a:xfrm>
           <a:prstGeom prst="rect">
@@ -5648,7 +5641,7 @@
           <a:p>
             <a:pPr algn="ctr"/>
             <a:r>
-              <a:rPr lang="en-US" altLang="ko-KR" dirty="0" smtClean="0"/>
+              <a:rPr lang="en-US" altLang="ko-KR" dirty="0"/>
               <a:t>ID</a:t>
             </a:r>
             <a:endParaRPr lang="ko-KR" altLang="en-US" dirty="0"/>
@@ -5663,7 +5656,7 @@
         </p:nvSpPr>
         <p:spPr>
           <a:xfrm>
-            <a:off x="3443422" y="2068665"/>
+            <a:off x="3443422" y="1852642"/>
             <a:ext cx="2257149" cy="370113"/>
           </a:xfrm>
           <a:prstGeom prst="rect">
@@ -5700,7 +5693,7 @@
           <a:p>
             <a:pPr algn="ctr"/>
             <a:r>
-              <a:rPr lang="en-US" altLang="ko-KR" dirty="0" smtClean="0"/>
+              <a:rPr lang="en-US" altLang="ko-KR" dirty="0"/>
               <a:t>Password</a:t>
             </a:r>
             <a:endParaRPr lang="ko-KR" altLang="en-US" dirty="0"/>
@@ -5715,7 +5708,7 @@
         </p:nvSpPr>
         <p:spPr>
           <a:xfrm>
-            <a:off x="4017999" y="1090940"/>
+            <a:off x="4017999" y="915566"/>
             <a:ext cx="1107996" cy="369332"/>
           </a:xfrm>
           <a:prstGeom prst="rect">
@@ -5730,10 +5723,9 @@
           <a:lstStyle/>
           <a:p>
             <a:r>
-              <a:rPr lang="ko-KR" altLang="en-US" dirty="0" smtClean="0"/>
+              <a:rPr lang="ko-KR" altLang="en-US" dirty="0"/>
               <a:t>회원가입</a:t>
             </a:r>
-            <a:endParaRPr lang="ko-KR" altLang="en-US" dirty="0"/>
           </a:p>
         </p:txBody>
       </p:sp>
@@ -5745,7 +5737,7 @@
         </p:nvSpPr>
         <p:spPr>
           <a:xfrm>
-            <a:off x="3443422" y="2581011"/>
+            <a:off x="3443422" y="2364988"/>
             <a:ext cx="2257149" cy="370113"/>
           </a:xfrm>
           <a:prstGeom prst="rect">
@@ -5782,10 +5774,9 @@
           <a:p>
             <a:pPr algn="ctr"/>
             <a:r>
-              <a:rPr lang="ko-KR" altLang="en-US" dirty="0" smtClean="0"/>
+              <a:rPr lang="ko-KR" altLang="en-US" dirty="0"/>
               <a:t>이름</a:t>
             </a:r>
-            <a:endParaRPr lang="ko-KR" altLang="en-US" dirty="0"/>
           </a:p>
         </p:txBody>
       </p:sp>
@@ -5797,7 +5788,7 @@
         </p:nvSpPr>
         <p:spPr>
           <a:xfrm>
-            <a:off x="3466978" y="3291830"/>
+            <a:off x="3466978" y="3075807"/>
             <a:ext cx="600965" cy="370113"/>
           </a:xfrm>
           <a:prstGeom prst="rect">
@@ -5834,7 +5825,7 @@
           <a:p>
             <a:pPr algn="ctr"/>
             <a:r>
-              <a:rPr lang="en-US" altLang="ko-KR" dirty="0" smtClean="0"/>
+              <a:rPr lang="en-US" altLang="ko-KR" dirty="0"/>
               <a:t>010</a:t>
             </a:r>
             <a:endParaRPr lang="ko-KR" altLang="en-US" dirty="0"/>
@@ -5849,7 +5840,7 @@
         </p:nvSpPr>
         <p:spPr>
           <a:xfrm>
-            <a:off x="3443423" y="4057496"/>
+            <a:off x="3443423" y="3841473"/>
             <a:ext cx="1533041" cy="370113"/>
           </a:xfrm>
           <a:prstGeom prst="rect">
@@ -5886,7 +5877,7 @@
           <a:p>
             <a:pPr algn="ctr"/>
             <a:r>
-              <a:rPr lang="en-US" altLang="ko-KR" sz="1100" dirty="0" smtClean="0"/>
+              <a:rPr lang="en-US" altLang="ko-KR" sz="1100" dirty="0"/>
               <a:t>admin@naver.com</a:t>
             </a:r>
             <a:endParaRPr lang="ko-KR" altLang="en-US" sz="1100" dirty="0"/>
@@ -5901,7 +5892,7 @@
         </p:nvSpPr>
         <p:spPr>
           <a:xfrm>
-            <a:off x="4150313" y="3291830"/>
+            <a:off x="4150313" y="3075807"/>
             <a:ext cx="763354" cy="370113"/>
           </a:xfrm>
           <a:prstGeom prst="rect">
@@ -5938,7 +5929,7 @@
           <a:p>
             <a:pPr algn="ctr"/>
             <a:r>
-              <a:rPr lang="en-US" altLang="ko-KR" dirty="0" smtClean="0"/>
+              <a:rPr lang="en-US" altLang="ko-KR" dirty="0"/>
               <a:t>1234</a:t>
             </a:r>
             <a:endParaRPr lang="ko-KR" altLang="en-US" dirty="0"/>
@@ -5953,7 +5944,7 @@
         </p:nvSpPr>
         <p:spPr>
           <a:xfrm>
-            <a:off x="4976464" y="3291830"/>
+            <a:off x="4976464" y="3075807"/>
             <a:ext cx="747664" cy="370113"/>
           </a:xfrm>
           <a:prstGeom prst="rect">
@@ -5990,7 +5981,7 @@
           <a:p>
             <a:pPr algn="ctr"/>
             <a:r>
-              <a:rPr lang="en-US" altLang="ko-KR" dirty="0" smtClean="0"/>
+              <a:rPr lang="en-US" altLang="ko-KR" dirty="0"/>
               <a:t>1234</a:t>
             </a:r>
             <a:endParaRPr lang="ko-KR" altLang="en-US" dirty="0"/>
@@ -6005,7 +5996,7 @@
         </p:nvSpPr>
         <p:spPr>
           <a:xfrm>
-            <a:off x="3443422" y="3075806"/>
+            <a:off x="3443422" y="2859783"/>
             <a:ext cx="825867" cy="246221"/>
           </a:xfrm>
           <a:prstGeom prst="rect">
@@ -6020,10 +6011,9 @@
           <a:lstStyle/>
           <a:p>
             <a:r>
-              <a:rPr lang="ko-KR" altLang="en-US" sz="1000" dirty="0" smtClean="0"/>
+              <a:rPr lang="ko-KR" altLang="en-US" sz="1000" dirty="0"/>
               <a:t>휴대폰번호</a:t>
             </a:r>
-            <a:endParaRPr lang="ko-KR" altLang="en-US" sz="1000" dirty="0"/>
           </a:p>
         </p:txBody>
       </p:sp>
@@ -6035,7 +6025,7 @@
         </p:nvSpPr>
         <p:spPr>
           <a:xfrm>
-            <a:off x="3488415" y="3795886"/>
+            <a:off x="3488415" y="3579863"/>
             <a:ext cx="607859" cy="261610"/>
           </a:xfrm>
           <a:prstGeom prst="rect">
@@ -6050,7 +6040,7 @@
           <a:lstStyle/>
           <a:p>
             <a:r>
-              <a:rPr lang="ko-KR" altLang="en-US" sz="1050" dirty="0" err="1" smtClean="0"/>
+              <a:rPr lang="ko-KR" altLang="en-US" sz="1050" dirty="0" err="1"/>
               <a:t>이메일</a:t>
             </a:r>
             <a:endParaRPr lang="ko-KR" altLang="en-US" sz="1050" dirty="0"/>
@@ -6065,7 +6055,7 @@
         </p:nvSpPr>
         <p:spPr>
           <a:xfrm>
-            <a:off x="5076056" y="4057496"/>
+            <a:off x="5076056" y="3841473"/>
             <a:ext cx="624515" cy="370113"/>
           </a:xfrm>
           <a:prstGeom prst="rect">
@@ -6102,10 +6092,103 @@
           <a:p>
             <a:pPr algn="ctr"/>
             <a:r>
-              <a:rPr lang="en-US" altLang="ko-KR" sz="1100" dirty="0" smtClean="0"/>
+              <a:rPr lang="en-US" altLang="ko-KR" sz="1100" dirty="0"/>
               <a:t>naver.com</a:t>
             </a:r>
             <a:endParaRPr lang="ko-KR" altLang="en-US" sz="1100" dirty="0"/>
+          </a:p>
+        </p:txBody>
+      </p:sp>
+      <p:sp>
+        <p:nvSpPr>
+          <p:cNvPr id="20" name="직사각형 19">
+            <a:extLst>
+              <a:ext uri="{FF2B5EF4-FFF2-40B4-BE49-F238E27FC236}">
+                <a16:creationId xmlns:a16="http://schemas.microsoft.com/office/drawing/2014/main" id="{30D985AB-9AAD-44EC-8070-D44218FB6A77}"/>
+              </a:ext>
+            </a:extLst>
+          </p:cNvPr>
+          <p:cNvSpPr/>
+          <p:nvPr/>
+        </p:nvSpPr>
+        <p:spPr>
+          <a:xfrm>
+            <a:off x="2987824" y="4616431"/>
+            <a:ext cx="3168352" cy="536361"/>
+          </a:xfrm>
+          <a:prstGeom prst="rect">
+            <a:avLst/>
+          </a:prstGeom>
+          <a:solidFill>
+            <a:schemeClr val="accent3"/>
+          </a:solidFill>
+          <a:ln>
+            <a:solidFill>
+              <a:schemeClr val="tx1"/>
+            </a:solidFill>
+          </a:ln>
+        </p:spPr>
+        <p:style>
+          <a:lnRef idx="2">
+            <a:schemeClr val="accent1">
+              <a:shade val="50000"/>
+            </a:schemeClr>
+          </a:lnRef>
+          <a:fillRef idx="1">
+            <a:schemeClr val="accent1"/>
+          </a:fillRef>
+          <a:effectRef idx="0">
+            <a:schemeClr val="accent1"/>
+          </a:effectRef>
+          <a:fontRef idx="minor">
+            <a:schemeClr val="lt1"/>
+          </a:fontRef>
+        </p:style>
+        <p:txBody>
+          <a:bodyPr rtlCol="0" anchor="ctr"/>
+          <a:lstStyle/>
+          <a:p>
+            <a:pPr algn="ctr"/>
+            <a:r>
+              <a:rPr lang="ko-KR" altLang="en-US" dirty="0"/>
+              <a:t>약관</a:t>
+            </a:r>
+          </a:p>
+        </p:txBody>
+      </p:sp>
+      <p:sp>
+        <p:nvSpPr>
+          <p:cNvPr id="21" name="TextBox 20">
+            <a:extLst>
+              <a:ext uri="{FF2B5EF4-FFF2-40B4-BE49-F238E27FC236}">
+                <a16:creationId xmlns:a16="http://schemas.microsoft.com/office/drawing/2014/main" id="{D75FE1EE-FD67-409C-A263-83EC2ACB50DD}"/>
+              </a:ext>
+            </a:extLst>
+          </p:cNvPr>
+          <p:cNvSpPr txBox="1"/>
+          <p:nvPr/>
+        </p:nvSpPr>
+        <p:spPr>
+          <a:xfrm>
+            <a:off x="251520" y="254048"/>
+            <a:ext cx="595035" cy="369332"/>
+          </a:xfrm>
+          <a:prstGeom prst="rect">
+            <a:avLst/>
+          </a:prstGeom>
+          <a:noFill/>
+        </p:spPr>
+        <p:txBody>
+          <a:bodyPr wrap="none" rtlCol="0">
+            <a:spAutoFit/>
+          </a:bodyPr>
+          <a:lstStyle/>
+          <a:p>
+            <a:r>
+              <a:rPr lang="en-US" altLang="ko-KR" dirty="0"/>
+              <a:t>Join</a:t>
+            </a:r>
+            <a:endParaRPr lang="ko-KR" altLang="en-US" dirty="0"/>
           </a:p>
         </p:txBody>
       </p:sp>
@@ -6113,6 +6196,210 @@
     <p:extLst>
       <p:ext uri="{BB962C8B-B14F-4D97-AF65-F5344CB8AC3E}">
         <p14:creationId xmlns:p14="http://schemas.microsoft.com/office/powerpoint/2010/main" val="1737503176"/>
+      </p:ext>
+    </p:extLst>
+  </p:cSld>
+  <p:clrMapOvr>
+    <a:masterClrMapping/>
+  </p:clrMapOvr>
+</p:sld>
+</file>
+
+<file path=ppt/slides/slide7.xml><?xml version="1.0" encoding="utf-8"?>
+<p:sld xmlns:a="http://schemas.openxmlformats.org/drawingml/2006/main" xmlns:r="http://schemas.openxmlformats.org/officeDocument/2006/relationships" xmlns:p="http://schemas.openxmlformats.org/presentationml/2006/main">
+  <p:cSld>
+    <p:spTree>
+      <p:nvGrpSpPr>
+        <p:cNvPr id="1" name=""/>
+        <p:cNvGrpSpPr/>
+        <p:nvPr/>
+      </p:nvGrpSpPr>
+      <p:grpSpPr>
+        <a:xfrm>
+          <a:off x="0" y="0"/>
+          <a:ext cx="0" cy="0"/>
+          <a:chOff x="0" y="0"/>
+          <a:chExt cx="0" cy="0"/>
+        </a:xfrm>
+      </p:grpSpPr>
+      <p:sp>
+        <p:nvSpPr>
+          <p:cNvPr id="4" name="직사각형 3">
+            <a:extLst>
+              <a:ext uri="{FF2B5EF4-FFF2-40B4-BE49-F238E27FC236}">
+                <a16:creationId xmlns:a16="http://schemas.microsoft.com/office/drawing/2014/main" id="{BAEA0AF3-B050-470A-9F6B-BA8872E282A5}"/>
+              </a:ext>
+            </a:extLst>
+          </p:cNvPr>
+          <p:cNvSpPr/>
+          <p:nvPr/>
+        </p:nvSpPr>
+        <p:spPr>
+          <a:xfrm>
+            <a:off x="1331640" y="0"/>
+            <a:ext cx="6480720" cy="5143500"/>
+          </a:xfrm>
+          <a:prstGeom prst="rect">
+            <a:avLst/>
+          </a:prstGeom>
+          <a:solidFill>
+            <a:schemeClr val="bg2"/>
+          </a:solidFill>
+          <a:ln>
+            <a:solidFill>
+              <a:schemeClr val="bg2"/>
+            </a:solidFill>
+          </a:ln>
+        </p:spPr>
+        <p:style>
+          <a:lnRef idx="2">
+            <a:schemeClr val="accent1">
+              <a:shade val="50000"/>
+            </a:schemeClr>
+          </a:lnRef>
+          <a:fillRef idx="1">
+            <a:schemeClr val="accent1"/>
+          </a:fillRef>
+          <a:effectRef idx="0">
+            <a:schemeClr val="accent1"/>
+          </a:effectRef>
+          <a:fontRef idx="minor">
+            <a:schemeClr val="lt1"/>
+          </a:fontRef>
+        </p:style>
+        <p:txBody>
+          <a:bodyPr rtlCol="0" anchor="ctr"/>
+          <a:lstStyle/>
+          <a:p>
+            <a:pPr algn="ctr"/>
+            <a:endParaRPr lang="en-US" altLang="ko-KR"/>
+          </a:p>
+        </p:txBody>
+      </p:sp>
+      <p:sp>
+        <p:nvSpPr>
+          <p:cNvPr id="5" name="타원 4">
+            <a:extLst>
+              <a:ext uri="{FF2B5EF4-FFF2-40B4-BE49-F238E27FC236}">
+                <a16:creationId xmlns:a16="http://schemas.microsoft.com/office/drawing/2014/main" id="{B3290626-E0C6-4C13-97D0-FC0E08340534}"/>
+              </a:ext>
+            </a:extLst>
+          </p:cNvPr>
+          <p:cNvSpPr/>
+          <p:nvPr/>
+        </p:nvSpPr>
+        <p:spPr>
+          <a:xfrm>
+            <a:off x="3203848" y="699542"/>
+            <a:ext cx="740495" cy="722587"/>
+          </a:xfrm>
+          <a:prstGeom prst="ellipse">
+            <a:avLst/>
+          </a:prstGeom>
+          <a:solidFill>
+            <a:schemeClr val="tx2"/>
+          </a:solidFill>
+          <a:ln>
+            <a:solidFill>
+              <a:schemeClr val="tx1"/>
+            </a:solidFill>
+          </a:ln>
+        </p:spPr>
+        <p:style>
+          <a:lnRef idx="2">
+            <a:schemeClr val="accent1">
+              <a:shade val="50000"/>
+            </a:schemeClr>
+          </a:lnRef>
+          <a:fillRef idx="1">
+            <a:schemeClr val="accent1"/>
+          </a:fillRef>
+          <a:effectRef idx="0">
+            <a:schemeClr val="accent1"/>
+          </a:effectRef>
+          <a:fontRef idx="minor">
+            <a:schemeClr val="lt1"/>
+          </a:fontRef>
+        </p:style>
+        <p:txBody>
+          <a:bodyPr rtlCol="0" anchor="ctr"/>
+          <a:lstStyle/>
+          <a:p>
+            <a:pPr algn="ctr"/>
+            <a:r>
+              <a:rPr lang="en-US" altLang="ko-KR" sz="800" dirty="0"/>
+              <a:t>image</a:t>
+            </a:r>
+            <a:endParaRPr lang="ko-KR" altLang="en-US" sz="800" dirty="0"/>
+          </a:p>
+        </p:txBody>
+      </p:sp>
+      <p:sp>
+        <p:nvSpPr>
+          <p:cNvPr id="6" name="직사각형 5">
+            <a:extLst>
+              <a:ext uri="{FF2B5EF4-FFF2-40B4-BE49-F238E27FC236}">
+                <a16:creationId xmlns:a16="http://schemas.microsoft.com/office/drawing/2014/main" id="{71DEF4AE-B22D-4AA9-9F43-922276DABB13}"/>
+              </a:ext>
+            </a:extLst>
+          </p:cNvPr>
+          <p:cNvSpPr/>
+          <p:nvPr/>
+        </p:nvSpPr>
+        <p:spPr>
+          <a:xfrm>
+            <a:off x="4150313" y="792668"/>
+            <a:ext cx="1509485" cy="536336"/>
+          </a:xfrm>
+          <a:prstGeom prst="rect">
+            <a:avLst/>
+          </a:prstGeom>
+          <a:solidFill>
+            <a:schemeClr val="accent3"/>
+          </a:solidFill>
+          <a:ln>
+            <a:solidFill>
+              <a:schemeClr val="tx1"/>
+            </a:solidFill>
+          </a:ln>
+        </p:spPr>
+        <p:style>
+          <a:lnRef idx="2">
+            <a:schemeClr val="accent1">
+              <a:shade val="50000"/>
+            </a:schemeClr>
+          </a:lnRef>
+          <a:fillRef idx="1">
+            <a:schemeClr val="accent1"/>
+          </a:fillRef>
+          <a:effectRef idx="0">
+            <a:schemeClr val="accent1"/>
+          </a:effectRef>
+          <a:fontRef idx="minor">
+            <a:schemeClr val="lt1"/>
+          </a:fontRef>
+        </p:style>
+        <p:txBody>
+          <a:bodyPr rtlCol="0" anchor="ctr"/>
+          <a:lstStyle/>
+          <a:p>
+            <a:pPr algn="ctr"/>
+            <a:r>
+              <a:rPr lang="ko-KR" altLang="en-US" sz="900" dirty="0" err="1"/>
+              <a:t>사이트명</a:t>
+            </a:r>
+            <a:r>
+              <a:rPr lang="en-US" altLang="ko-KR" sz="900" dirty="0"/>
+              <a:t>( home button)</a:t>
+            </a:r>
+            <a:endParaRPr lang="ko-KR" altLang="en-US" sz="900" dirty="0"/>
+          </a:p>
+        </p:txBody>
+      </p:sp>
+    </p:spTree>
+    <p:extLst>
+      <p:ext uri="{BB962C8B-B14F-4D97-AF65-F5344CB8AC3E}">
+        <p14:creationId xmlns:p14="http://schemas.microsoft.com/office/powerpoint/2010/main" val="2133538795"/>
       </p:ext>
     </p:extLst>
   </p:cSld>
